--- a/baocao/bao cao thu.pptx
+++ b/baocao/bao cao thu.pptx
@@ -5,7 +5,7 @@
     <p:sldMasterId id="2147483648" r:id="rId1"/>
   </p:sldMasterIdLst>
   <p:notesMasterIdLst>
-    <p:notesMasterId r:id="rId18"/>
+    <p:notesMasterId r:id="rId16"/>
   </p:notesMasterIdLst>
   <p:sldIdLst>
     <p:sldId id="256" r:id="rId2"/>
@@ -13,17 +13,15 @@
     <p:sldId id="258" r:id="rId4"/>
     <p:sldId id="295" r:id="rId5"/>
     <p:sldId id="296" r:id="rId6"/>
-    <p:sldId id="297" r:id="rId7"/>
-    <p:sldId id="298" r:id="rId8"/>
-    <p:sldId id="307" r:id="rId9"/>
-    <p:sldId id="299" r:id="rId10"/>
-    <p:sldId id="300" r:id="rId11"/>
-    <p:sldId id="301" r:id="rId12"/>
-    <p:sldId id="302" r:id="rId13"/>
-    <p:sldId id="303" r:id="rId14"/>
-    <p:sldId id="304" r:id="rId15"/>
-    <p:sldId id="305" r:id="rId16"/>
-    <p:sldId id="306" r:id="rId17"/>
+    <p:sldId id="298" r:id="rId7"/>
+    <p:sldId id="307" r:id="rId8"/>
+    <p:sldId id="299" r:id="rId9"/>
+    <p:sldId id="300" r:id="rId10"/>
+    <p:sldId id="302" r:id="rId11"/>
+    <p:sldId id="303" r:id="rId12"/>
+    <p:sldId id="304" r:id="rId13"/>
+    <p:sldId id="305" r:id="rId14"/>
+    <p:sldId id="306" r:id="rId15"/>
   </p:sldIdLst>
   <p:sldSz cx="9144000" cy="6858000" type="screen4x3"/>
   <p:notesSz cx="6858000" cy="9144000"/>
@@ -770,176 +768,6 @@
     </p:spTree>
     <p:extLst>
       <p:ext uri="{BB962C8B-B14F-4D97-AF65-F5344CB8AC3E}">
-        <p14:creationId xmlns:p14="http://schemas.microsoft.com/office/powerpoint/2010/main" val="3786141505"/>
-      </p:ext>
-    </p:extLst>
-  </p:cSld>
-  <p:clrMapOvr>
-    <a:masterClrMapping/>
-  </p:clrMapOvr>
-</p:notes>
-</file>
-
-<file path=ppt/notesSlides/notesSlide11.xml><?xml version="1.0" encoding="utf-8"?>
-<p:notes xmlns:a="http://schemas.openxmlformats.org/drawingml/2006/main" xmlns:r="http://schemas.openxmlformats.org/officeDocument/2006/relationships" xmlns:p="http://schemas.openxmlformats.org/presentationml/2006/main">
-  <p:cSld>
-    <p:spTree>
-      <p:nvGrpSpPr>
-        <p:cNvPr id="1" name=""/>
-        <p:cNvGrpSpPr/>
-        <p:nvPr/>
-      </p:nvGrpSpPr>
-      <p:grpSpPr>
-        <a:xfrm>
-          <a:off x="0" y="0"/>
-          <a:ext cx="0" cy="0"/>
-          <a:chOff x="0" y="0"/>
-          <a:chExt cx="0" cy="0"/>
-        </a:xfrm>
-      </p:grpSpPr>
-      <p:sp>
-        <p:nvSpPr>
-          <p:cNvPr id="2" name="Slide Image Placeholder 1"/>
-          <p:cNvSpPr>
-            <a:spLocks noGrp="1" noRot="1" noChangeAspect="1"/>
-          </p:cNvSpPr>
-          <p:nvPr>
-            <p:ph type="sldImg"/>
-          </p:nvPr>
-        </p:nvSpPr>
-        <p:spPr/>
-      </p:sp>
-      <p:sp>
-        <p:nvSpPr>
-          <p:cNvPr id="3" name="Notes Placeholder 2"/>
-          <p:cNvSpPr>
-            <a:spLocks noGrp="1"/>
-          </p:cNvSpPr>
-          <p:nvPr>
-            <p:ph type="body" idx="1"/>
-          </p:nvPr>
-        </p:nvSpPr>
-        <p:spPr/>
-        <p:txBody>
-          <a:bodyPr/>
-          <a:lstStyle/>
-          <a:p>
-            <a:endParaRPr lang="en-US" dirty="0"/>
-          </a:p>
-        </p:txBody>
-      </p:sp>
-      <p:sp>
-        <p:nvSpPr>
-          <p:cNvPr id="4" name="Slide Number Placeholder 3"/>
-          <p:cNvSpPr>
-            <a:spLocks noGrp="1"/>
-          </p:cNvSpPr>
-          <p:nvPr>
-            <p:ph type="sldNum" sz="quarter" idx="10"/>
-          </p:nvPr>
-        </p:nvSpPr>
-        <p:spPr/>
-        <p:txBody>
-          <a:bodyPr/>
-          <a:lstStyle/>
-          <a:p>
-            <a:fld id="{7EF2EDDF-53BD-43A0-BA3A-2C1DA5B1E410}" type="slidenum">
-              <a:rPr lang="en-US" smtClean="0"/>
-              <a:pPr/>
-              <a:t>14</a:t>
-            </a:fld>
-            <a:endParaRPr lang="en-US"/>
-          </a:p>
-        </p:txBody>
-      </p:sp>
-    </p:spTree>
-    <p:extLst>
-      <p:ext uri="{BB962C8B-B14F-4D97-AF65-F5344CB8AC3E}">
-        <p14:creationId xmlns:p14="http://schemas.microsoft.com/office/powerpoint/2010/main" val="2232879907"/>
-      </p:ext>
-    </p:extLst>
-  </p:cSld>
-  <p:clrMapOvr>
-    <a:masterClrMapping/>
-  </p:clrMapOvr>
-</p:notes>
-</file>
-
-<file path=ppt/notesSlides/notesSlide12.xml><?xml version="1.0" encoding="utf-8"?>
-<p:notes xmlns:a="http://schemas.openxmlformats.org/drawingml/2006/main" xmlns:r="http://schemas.openxmlformats.org/officeDocument/2006/relationships" xmlns:p="http://schemas.openxmlformats.org/presentationml/2006/main">
-  <p:cSld>
-    <p:spTree>
-      <p:nvGrpSpPr>
-        <p:cNvPr id="1" name=""/>
-        <p:cNvGrpSpPr/>
-        <p:nvPr/>
-      </p:nvGrpSpPr>
-      <p:grpSpPr>
-        <a:xfrm>
-          <a:off x="0" y="0"/>
-          <a:ext cx="0" cy="0"/>
-          <a:chOff x="0" y="0"/>
-          <a:chExt cx="0" cy="0"/>
-        </a:xfrm>
-      </p:grpSpPr>
-      <p:sp>
-        <p:nvSpPr>
-          <p:cNvPr id="2" name="Slide Image Placeholder 1"/>
-          <p:cNvSpPr>
-            <a:spLocks noGrp="1" noRot="1" noChangeAspect="1"/>
-          </p:cNvSpPr>
-          <p:nvPr>
-            <p:ph type="sldImg"/>
-          </p:nvPr>
-        </p:nvSpPr>
-        <p:spPr/>
-      </p:sp>
-      <p:sp>
-        <p:nvSpPr>
-          <p:cNvPr id="3" name="Notes Placeholder 2"/>
-          <p:cNvSpPr>
-            <a:spLocks noGrp="1"/>
-          </p:cNvSpPr>
-          <p:nvPr>
-            <p:ph type="body" idx="1"/>
-          </p:nvPr>
-        </p:nvSpPr>
-        <p:spPr/>
-        <p:txBody>
-          <a:bodyPr/>
-          <a:lstStyle/>
-          <a:p>
-            <a:endParaRPr lang="en-US" dirty="0"/>
-          </a:p>
-        </p:txBody>
-      </p:sp>
-      <p:sp>
-        <p:nvSpPr>
-          <p:cNvPr id="4" name="Slide Number Placeholder 3"/>
-          <p:cNvSpPr>
-            <a:spLocks noGrp="1"/>
-          </p:cNvSpPr>
-          <p:nvPr>
-            <p:ph type="sldNum" sz="quarter" idx="10"/>
-          </p:nvPr>
-        </p:nvSpPr>
-        <p:spPr/>
-        <p:txBody>
-          <a:bodyPr/>
-          <a:lstStyle/>
-          <a:p>
-            <a:fld id="{7EF2EDDF-53BD-43A0-BA3A-2C1DA5B1E410}" type="slidenum">
-              <a:rPr lang="en-US" smtClean="0"/>
-              <a:pPr/>
-              <a:t>15</a:t>
-            </a:fld>
-            <a:endParaRPr lang="en-US"/>
-          </a:p>
-        </p:txBody>
-      </p:sp>
-    </p:spTree>
-    <p:extLst>
-      <p:ext uri="{BB962C8B-B14F-4D97-AF65-F5344CB8AC3E}">
         <p14:creationId xmlns:p14="http://schemas.microsoft.com/office/powerpoint/2010/main" val="1729499840"/>
       </p:ext>
     </p:extLst>
@@ -1195,7 +1023,7 @@
     </p:spTree>
     <p:extLst>
       <p:ext uri="{BB962C8B-B14F-4D97-AF65-F5344CB8AC3E}">
-        <p14:creationId xmlns:p14="http://schemas.microsoft.com/office/powerpoint/2010/main" val="994917782"/>
+        <p14:creationId xmlns:p14="http://schemas.microsoft.com/office/powerpoint/2010/main" val="3887465304"/>
       </p:ext>
     </p:extLst>
   </p:cSld>
@@ -1271,7 +1099,7 @@
             <a:fld id="{7EF2EDDF-53BD-43A0-BA3A-2C1DA5B1E410}" type="slidenum">
               <a:rPr lang="en-US" smtClean="0"/>
               <a:pPr/>
-              <a:t>7</a:t>
+              <a:t>8</a:t>
             </a:fld>
             <a:endParaRPr lang="en-US"/>
           </a:p>
@@ -1280,7 +1108,7 @@
     </p:spTree>
     <p:extLst>
       <p:ext uri="{BB962C8B-B14F-4D97-AF65-F5344CB8AC3E}">
-        <p14:creationId xmlns:p14="http://schemas.microsoft.com/office/powerpoint/2010/main" val="3887465304"/>
+        <p14:creationId xmlns:p14="http://schemas.microsoft.com/office/powerpoint/2010/main" val="3706514045"/>
       </p:ext>
     </p:extLst>
   </p:cSld>
@@ -1365,7 +1193,7 @@
     </p:spTree>
     <p:extLst>
       <p:ext uri="{BB962C8B-B14F-4D97-AF65-F5344CB8AC3E}">
-        <p14:creationId xmlns:p14="http://schemas.microsoft.com/office/powerpoint/2010/main" val="3706514045"/>
+        <p14:creationId xmlns:p14="http://schemas.microsoft.com/office/powerpoint/2010/main" val="2394897608"/>
       </p:ext>
     </p:extLst>
   </p:cSld>
@@ -1450,7 +1278,7 @@
     </p:spTree>
     <p:extLst>
       <p:ext uri="{BB962C8B-B14F-4D97-AF65-F5344CB8AC3E}">
-        <p14:creationId xmlns:p14="http://schemas.microsoft.com/office/powerpoint/2010/main" val="2394897608"/>
+        <p14:creationId xmlns:p14="http://schemas.microsoft.com/office/powerpoint/2010/main" val="1013547048"/>
       </p:ext>
     </p:extLst>
   </p:cSld>
@@ -1535,7 +1363,7 @@
     </p:spTree>
     <p:extLst>
       <p:ext uri="{BB962C8B-B14F-4D97-AF65-F5344CB8AC3E}">
-        <p14:creationId xmlns:p14="http://schemas.microsoft.com/office/powerpoint/2010/main" val="3661976813"/>
+        <p14:creationId xmlns:p14="http://schemas.microsoft.com/office/powerpoint/2010/main" val="3786141505"/>
       </p:ext>
     </p:extLst>
   </p:cSld>
@@ -1620,7 +1448,7 @@
     </p:spTree>
     <p:extLst>
       <p:ext uri="{BB962C8B-B14F-4D97-AF65-F5344CB8AC3E}">
-        <p14:creationId xmlns:p14="http://schemas.microsoft.com/office/powerpoint/2010/main" val="1013547048"/>
+        <p14:creationId xmlns:p14="http://schemas.microsoft.com/office/powerpoint/2010/main" val="2232879907"/>
       </p:ext>
     </p:extLst>
   </p:cSld>
@@ -7339,19 +7167,7 @@
                 <a:latin typeface="Arial" panose="020B0604020202020204" pitchFamily="34" charset="0"/>
                 <a:cs typeface="Arial" panose="020B0604020202020204" pitchFamily="34" charset="0"/>
               </a:rPr>
-              <a:t>TS</a:t>
-            </a:r>
-            <a:r>
-              <a:rPr lang="en-US" b="1" dirty="0" smtClean="0">
-                <a:solidFill>
-                  <a:schemeClr val="bg2">
-                    <a:lumMod val="50000"/>
-                  </a:schemeClr>
-                </a:solidFill>
-                <a:latin typeface="Arial" panose="020B0604020202020204" pitchFamily="34" charset="0"/>
-                <a:cs typeface="Arial" panose="020B0604020202020204" pitchFamily="34" charset="0"/>
-              </a:rPr>
-              <a:t>. </a:t>
+              <a:t>TS. </a:t>
             </a:r>
             <a:r>
               <a:rPr lang="en-US" dirty="0" smtClean="0">
@@ -7529,392 +7345,6 @@
 </file>
 
 <file path=ppt/slides/slide10.xml><?xml version="1.0" encoding="utf-8"?>
-<p:sld xmlns:a="http://schemas.openxmlformats.org/drawingml/2006/main" xmlns:r="http://schemas.openxmlformats.org/officeDocument/2006/relationships" xmlns:p="http://schemas.openxmlformats.org/presentationml/2006/main" showMasterPhAnim="0">
-  <p:cSld>
-    <p:spTree>
-      <p:nvGrpSpPr>
-        <p:cNvPr id="1" name=""/>
-        <p:cNvGrpSpPr/>
-        <p:nvPr/>
-      </p:nvGrpSpPr>
-      <p:grpSpPr>
-        <a:xfrm>
-          <a:off x="0" y="0"/>
-          <a:ext cx="0" cy="0"/>
-          <a:chOff x="0" y="0"/>
-          <a:chExt cx="0" cy="0"/>
-        </a:xfrm>
-      </p:grpSpPr>
-      <p:sp>
-        <p:nvSpPr>
-          <p:cNvPr id="70658" name="Rectangle 2"/>
-          <p:cNvSpPr>
-            <a:spLocks noGrp="1" noChangeArrowheads="1"/>
-          </p:cNvSpPr>
-          <p:nvPr>
-            <p:ph idx="1"/>
-          </p:nvPr>
-        </p:nvSpPr>
-        <p:spPr bwMode="black">
-          <a:xfrm>
-            <a:off x="620713" y="1676400"/>
-            <a:ext cx="7824787" cy="3346450"/>
-          </a:xfrm>
-          <a:noFill/>
-          <a:ln/>
-        </p:spPr>
-        <p:txBody>
-          <a:bodyPr/>
-          <a:lstStyle/>
-          <a:p>
-            <a:pPr>
-              <a:buSzPct val="90000"/>
-            </a:pPr>
-            <a:r>
-              <a:rPr lang="en-US" sz="3000" b="1" dirty="0" err="1" smtClean="0"/>
-              <a:t>Sơ</a:t>
-            </a:r>
-            <a:r>
-              <a:rPr lang="en-US" sz="3000" b="1" dirty="0" smtClean="0"/>
-              <a:t> </a:t>
-            </a:r>
-            <a:r>
-              <a:rPr lang="en-US" sz="3000" b="1" dirty="0" err="1" smtClean="0"/>
-              <a:t>đồ</a:t>
-            </a:r>
-            <a:r>
-              <a:rPr lang="en-US" sz="3000" b="1" dirty="0" smtClean="0"/>
-              <a:t> </a:t>
-            </a:r>
-          </a:p>
-          <a:p>
-            <a:pPr marL="0" indent="0">
-              <a:buSzPct val="90000"/>
-              <a:buNone/>
-            </a:pPr>
-            <a:r>
-              <a:rPr lang="en-US" sz="3000" b="1" dirty="0" err="1" smtClean="0"/>
-              <a:t>luồng</a:t>
-            </a:r>
-            <a:r>
-              <a:rPr lang="en-US" sz="3000" b="1" dirty="0" smtClean="0"/>
-              <a:t> </a:t>
-            </a:r>
-            <a:r>
-              <a:rPr lang="en-US" sz="3000" b="1" dirty="0" err="1" smtClean="0"/>
-              <a:t>hệ</a:t>
-            </a:r>
-            <a:r>
-              <a:rPr lang="en-US" sz="3000" b="1" dirty="0" smtClean="0"/>
-              <a:t> </a:t>
-            </a:r>
-            <a:r>
-              <a:rPr lang="en-US" sz="3000" b="1" dirty="0" err="1" smtClean="0"/>
-              <a:t>thống</a:t>
-            </a:r>
-            <a:endParaRPr lang="en-US" sz="3000" b="1" dirty="0" smtClean="0"/>
-          </a:p>
-        </p:txBody>
-      </p:sp>
-      <p:sp>
-        <p:nvSpPr>
-          <p:cNvPr id="70660" name="Rectangle 4"/>
-          <p:cNvSpPr>
-            <a:spLocks noGrp="1" noChangeArrowheads="1"/>
-          </p:cNvSpPr>
-          <p:nvPr>
-            <p:ph type="title"/>
-          </p:nvPr>
-        </p:nvSpPr>
-        <p:spPr/>
-        <p:txBody>
-          <a:bodyPr/>
-          <a:lstStyle/>
-          <a:p>
-            <a:r>
-              <a:rPr lang="en-US" dirty="0" smtClean="0"/>
-              <a:t>III. </a:t>
-            </a:r>
-            <a:r>
-              <a:rPr lang="en-US" dirty="0" err="1" smtClean="0"/>
-              <a:t>Phân</a:t>
-            </a:r>
-            <a:r>
-              <a:rPr lang="en-US" dirty="0" smtClean="0"/>
-              <a:t> </a:t>
-            </a:r>
-            <a:r>
-              <a:rPr lang="en-US" dirty="0" err="1" smtClean="0"/>
-              <a:t>tích</a:t>
-            </a:r>
-            <a:r>
-              <a:rPr lang="en-US" dirty="0" smtClean="0"/>
-              <a:t> &amp; </a:t>
-            </a:r>
-            <a:r>
-              <a:rPr lang="en-US" dirty="0" err="1" smtClean="0"/>
-              <a:t>Thiết</a:t>
-            </a:r>
-            <a:r>
-              <a:rPr lang="en-US" dirty="0" smtClean="0"/>
-              <a:t> </a:t>
-            </a:r>
-            <a:r>
-              <a:rPr lang="en-US" dirty="0" err="1" smtClean="0"/>
-              <a:t>kế</a:t>
-            </a:r>
-            <a:endParaRPr lang="en-US" dirty="0"/>
-          </a:p>
-        </p:txBody>
-      </p:sp>
-      <p:pic>
-        <p:nvPicPr>
-          <p:cNvPr id="5" name="Picture 4" descr="C:\Users\Administrator\Downloads\Usecase (6) (2) (3).png"/>
-          <p:cNvPicPr/>
-          <p:nvPr/>
-        </p:nvPicPr>
-        <p:blipFill>
-          <a:blip r:embed="rId3">
-            <a:extLst>
-              <a:ext uri="{28A0092B-C50C-407E-A947-70E740481C1C}">
-                <a14:useLocalDpi xmlns:a14="http://schemas.microsoft.com/office/drawing/2010/main" val="0"/>
-              </a:ext>
-            </a:extLst>
-          </a:blip>
-          <a:srcRect/>
-          <a:stretch>
-            <a:fillRect/>
-          </a:stretch>
-        </p:blipFill>
-        <p:spPr bwMode="auto">
-          <a:xfrm>
-            <a:off x="3581400" y="1143000"/>
-            <a:ext cx="4864100" cy="5474162"/>
-          </a:xfrm>
-          <a:prstGeom prst="rect">
-            <a:avLst/>
-          </a:prstGeom>
-          <a:noFill/>
-          <a:ln>
-            <a:noFill/>
-          </a:ln>
-        </p:spPr>
-      </p:pic>
-    </p:spTree>
-    <p:extLst>
-      <p:ext uri="{BB962C8B-B14F-4D97-AF65-F5344CB8AC3E}">
-        <p14:creationId xmlns:p14="http://schemas.microsoft.com/office/powerpoint/2010/main" val="4193738359"/>
-      </p:ext>
-    </p:extLst>
-  </p:cSld>
-  <p:clrMapOvr>
-    <a:masterClrMapping/>
-  </p:clrMapOvr>
-  <p:transition/>
-  <p:timing>
-    <p:tnLst>
-      <p:par>
-        <p:cTn id="1" dur="indefinite" restart="never" nodeType="tmRoot"/>
-      </p:par>
-    </p:tnLst>
-  </p:timing>
-</p:sld>
-</file>
-
-<file path=ppt/slides/slide11.xml><?xml version="1.0" encoding="utf-8"?>
-<p:sld xmlns:a="http://schemas.openxmlformats.org/drawingml/2006/main" xmlns:r="http://schemas.openxmlformats.org/officeDocument/2006/relationships" xmlns:p="http://schemas.openxmlformats.org/presentationml/2006/main" showMasterPhAnim="0">
-  <p:cSld>
-    <p:spTree>
-      <p:nvGrpSpPr>
-        <p:cNvPr id="1" name=""/>
-        <p:cNvGrpSpPr/>
-        <p:nvPr/>
-      </p:nvGrpSpPr>
-      <p:grpSpPr>
-        <a:xfrm>
-          <a:off x="0" y="0"/>
-          <a:ext cx="0" cy="0"/>
-          <a:chOff x="0" y="0"/>
-          <a:chExt cx="0" cy="0"/>
-        </a:xfrm>
-      </p:grpSpPr>
-      <p:sp>
-        <p:nvSpPr>
-          <p:cNvPr id="70658" name="Rectangle 2"/>
-          <p:cNvSpPr>
-            <a:spLocks noGrp="1" noChangeArrowheads="1"/>
-          </p:cNvSpPr>
-          <p:nvPr>
-            <p:ph idx="1"/>
-          </p:nvPr>
-        </p:nvSpPr>
-        <p:spPr bwMode="black">
-          <a:xfrm>
-            <a:off x="620713" y="1676400"/>
-            <a:ext cx="7824787" cy="3346450"/>
-          </a:xfrm>
-          <a:noFill/>
-          <a:ln/>
-        </p:spPr>
-        <p:txBody>
-          <a:bodyPr/>
-          <a:lstStyle/>
-          <a:p>
-            <a:pPr>
-              <a:buSzPct val="90000"/>
-            </a:pPr>
-            <a:r>
-              <a:rPr lang="en-US" sz="3000" b="1" dirty="0" err="1" smtClean="0"/>
-              <a:t>Sơ</a:t>
-            </a:r>
-            <a:r>
-              <a:rPr lang="en-US" sz="3000" b="1" dirty="0" smtClean="0"/>
-              <a:t> </a:t>
-            </a:r>
-            <a:r>
-              <a:rPr lang="en-US" sz="3000" b="1" dirty="0" err="1" smtClean="0"/>
-              <a:t>đồ</a:t>
-            </a:r>
-            <a:r>
-              <a:rPr lang="en-US" sz="3000" b="1" dirty="0" smtClean="0"/>
-              <a:t> </a:t>
-            </a:r>
-          </a:p>
-          <a:p>
-            <a:pPr marL="0" indent="0">
-              <a:buSzPct val="90000"/>
-              <a:buNone/>
-            </a:pPr>
-            <a:r>
-              <a:rPr lang="en-US" sz="3000" b="1" dirty="0" err="1" smtClean="0"/>
-              <a:t>luồng</a:t>
-            </a:r>
-            <a:r>
-              <a:rPr lang="en-US" sz="3000" b="1" dirty="0" smtClean="0"/>
-              <a:t> </a:t>
-            </a:r>
-            <a:r>
-              <a:rPr lang="en-US" sz="3000" b="1" dirty="0" err="1" smtClean="0"/>
-              <a:t>hệ</a:t>
-            </a:r>
-            <a:r>
-              <a:rPr lang="en-US" sz="3000" b="1" dirty="0" smtClean="0"/>
-              <a:t> </a:t>
-            </a:r>
-            <a:r>
-              <a:rPr lang="en-US" sz="3000" b="1" dirty="0" err="1" smtClean="0"/>
-              <a:t>thống</a:t>
-            </a:r>
-            <a:endParaRPr lang="en-US" sz="3000" b="1" dirty="0" smtClean="0"/>
-          </a:p>
-        </p:txBody>
-      </p:sp>
-      <p:sp>
-        <p:nvSpPr>
-          <p:cNvPr id="70660" name="Rectangle 4"/>
-          <p:cNvSpPr>
-            <a:spLocks noGrp="1" noChangeArrowheads="1"/>
-          </p:cNvSpPr>
-          <p:nvPr>
-            <p:ph type="title"/>
-          </p:nvPr>
-        </p:nvSpPr>
-        <p:spPr/>
-        <p:txBody>
-          <a:bodyPr/>
-          <a:lstStyle/>
-          <a:p>
-            <a:r>
-              <a:rPr lang="en-US" dirty="0" smtClean="0"/>
-              <a:t>III. </a:t>
-            </a:r>
-            <a:r>
-              <a:rPr lang="en-US" dirty="0" err="1" smtClean="0"/>
-              <a:t>Phân</a:t>
-            </a:r>
-            <a:r>
-              <a:rPr lang="en-US" dirty="0" smtClean="0"/>
-              <a:t> </a:t>
-            </a:r>
-            <a:r>
-              <a:rPr lang="en-US" dirty="0" err="1" smtClean="0"/>
-              <a:t>tích</a:t>
-            </a:r>
-            <a:r>
-              <a:rPr lang="en-US" dirty="0" smtClean="0"/>
-              <a:t> &amp; </a:t>
-            </a:r>
-            <a:r>
-              <a:rPr lang="en-US" dirty="0" err="1" smtClean="0"/>
-              <a:t>Thiết</a:t>
-            </a:r>
-            <a:r>
-              <a:rPr lang="en-US" dirty="0" smtClean="0"/>
-              <a:t> </a:t>
-            </a:r>
-            <a:r>
-              <a:rPr lang="en-US" dirty="0" err="1" smtClean="0"/>
-              <a:t>kế</a:t>
-            </a:r>
-            <a:endParaRPr lang="en-US" dirty="0"/>
-          </a:p>
-        </p:txBody>
-      </p:sp>
-      <p:pic>
-        <p:nvPicPr>
-          <p:cNvPr id="6" name="Picture 5" descr="C:\Users\Administrator\Downloads\Usecase (6) (2) (4).png"/>
-          <p:cNvPicPr/>
-          <p:nvPr/>
-        </p:nvPicPr>
-        <p:blipFill>
-          <a:blip r:embed="rId3">
-            <a:extLst>
-              <a:ext uri="{28A0092B-C50C-407E-A947-70E740481C1C}">
-                <a14:useLocalDpi xmlns:a14="http://schemas.microsoft.com/office/drawing/2010/main" val="0"/>
-              </a:ext>
-            </a:extLst>
-          </a:blip>
-          <a:srcRect/>
-          <a:stretch>
-            <a:fillRect/>
-          </a:stretch>
-        </p:blipFill>
-        <p:spPr bwMode="auto">
-          <a:xfrm>
-            <a:off x="4191000" y="1143000"/>
-            <a:ext cx="4531505" cy="5535612"/>
-          </a:xfrm>
-          <a:prstGeom prst="rect">
-            <a:avLst/>
-          </a:prstGeom>
-          <a:noFill/>
-          <a:ln>
-            <a:noFill/>
-          </a:ln>
-        </p:spPr>
-      </p:pic>
-    </p:spTree>
-    <p:extLst>
-      <p:ext uri="{BB962C8B-B14F-4D97-AF65-F5344CB8AC3E}">
-        <p14:creationId xmlns:p14="http://schemas.microsoft.com/office/powerpoint/2010/main" val="1458212590"/>
-      </p:ext>
-    </p:extLst>
-  </p:cSld>
-  <p:clrMapOvr>
-    <a:masterClrMapping/>
-  </p:clrMapOvr>
-  <p:transition/>
-  <p:timing>
-    <p:tnLst>
-      <p:par>
-        <p:cTn id="1" dur="indefinite" restart="never" nodeType="tmRoot"/>
-      </p:par>
-    </p:tnLst>
-  </p:timing>
-</p:sld>
-</file>
-
-<file path=ppt/slides/slide12.xml><?xml version="1.0" encoding="utf-8"?>
 <p:sld xmlns:a="http://schemas.openxmlformats.org/drawingml/2006/main" xmlns:r="http://schemas.openxmlformats.org/officeDocument/2006/relationships" xmlns:p="http://schemas.openxmlformats.org/presentationml/2006/main" showMasterPhAnim="0">
   <p:cSld>
     <p:spTree>
@@ -8080,7 +7510,7 @@
 </p:sld>
 </file>
 
-<file path=ppt/slides/slide13.xml><?xml version="1.0" encoding="utf-8"?>
+<file path=ppt/slides/slide11.xml><?xml version="1.0" encoding="utf-8"?>
 <p:sld xmlns:a="http://schemas.openxmlformats.org/drawingml/2006/main" xmlns:r="http://schemas.openxmlformats.org/officeDocument/2006/relationships" xmlns:p="http://schemas.openxmlformats.org/presentationml/2006/main" showMasterPhAnim="0">
   <p:cSld>
     <p:spTree>
@@ -8202,7 +7632,7 @@
 </p:sld>
 </file>
 
-<file path=ppt/slides/slide14.xml><?xml version="1.0" encoding="utf-8"?>
+<file path=ppt/slides/slide12.xml><?xml version="1.0" encoding="utf-8"?>
 <p:sld xmlns:a="http://schemas.openxmlformats.org/drawingml/2006/main" xmlns:r="http://schemas.openxmlformats.org/officeDocument/2006/relationships" xmlns:p="http://schemas.openxmlformats.org/presentationml/2006/main" showMasterPhAnim="0">
   <p:cSld>
     <p:spTree>
@@ -9017,7 +8447,7 @@
 </p:sld>
 </file>
 
-<file path=ppt/slides/slide15.xml><?xml version="1.0" encoding="utf-8"?>
+<file path=ppt/slides/slide13.xml><?xml version="1.0" encoding="utf-8"?>
 <p:sld xmlns:a="http://schemas.openxmlformats.org/drawingml/2006/main" xmlns:r="http://schemas.openxmlformats.org/officeDocument/2006/relationships" xmlns:p="http://schemas.openxmlformats.org/presentationml/2006/main" showMasterPhAnim="0">
   <p:cSld>
     <p:spTree>
@@ -9502,7 +8932,7 @@
 </p:sld>
 </file>
 
-<file path=ppt/slides/slide16.xml><?xml version="1.0" encoding="utf-8"?>
+<file path=ppt/slides/slide14.xml><?xml version="1.0" encoding="utf-8"?>
 <p:sld xmlns:a="http://schemas.openxmlformats.org/drawingml/2006/main" xmlns:r="http://schemas.openxmlformats.org/officeDocument/2006/relationships" xmlns:p="http://schemas.openxmlformats.org/presentationml/2006/main" showMasterPhAnim="0">
   <p:cSld>
     <p:spTree>
@@ -12503,460 +11933,6 @@
             </a:pPr>
             <a:r>
               <a:rPr lang="en-US" b="1" dirty="0" err="1" smtClean="0"/>
-              <a:t>Mục</a:t>
-            </a:r>
-            <a:r>
-              <a:rPr lang="en-US" b="1" dirty="0" smtClean="0"/>
-              <a:t> </a:t>
-            </a:r>
-            <a:r>
-              <a:rPr lang="en-US" b="1" dirty="0" err="1" smtClean="0"/>
-              <a:t>đích</a:t>
-            </a:r>
-            <a:endParaRPr lang="en-US" b="1" dirty="0" smtClean="0"/>
-          </a:p>
-          <a:p>
-            <a:pPr lvl="1">
-              <a:buSzPct val="90000"/>
-            </a:pPr>
-            <a:r>
-              <a:rPr lang="en-US" dirty="0" err="1"/>
-              <a:t>Cung</a:t>
-            </a:r>
-            <a:r>
-              <a:rPr lang="en-US" dirty="0"/>
-              <a:t> </a:t>
-            </a:r>
-            <a:r>
-              <a:rPr lang="en-US" dirty="0" err="1"/>
-              <a:t>cấp</a:t>
-            </a:r>
-            <a:r>
-              <a:rPr lang="en-US" dirty="0"/>
-              <a:t> </a:t>
-            </a:r>
-            <a:r>
-              <a:rPr lang="en-US" dirty="0" err="1"/>
-              <a:t>môi</a:t>
-            </a:r>
-            <a:r>
-              <a:rPr lang="en-US" dirty="0"/>
-              <a:t> </a:t>
-            </a:r>
-            <a:r>
-              <a:rPr lang="en-US" dirty="0" err="1"/>
-              <a:t>trường</a:t>
-            </a:r>
-            <a:r>
-              <a:rPr lang="en-US" dirty="0"/>
-              <a:t> </a:t>
-            </a:r>
-            <a:r>
-              <a:rPr lang="en-US" dirty="0" err="1"/>
-              <a:t>cho</a:t>
-            </a:r>
-            <a:r>
-              <a:rPr lang="en-US" dirty="0"/>
-              <a:t> </a:t>
-            </a:r>
-            <a:r>
-              <a:rPr lang="en-US" dirty="0" err="1"/>
-              <a:t>việc</a:t>
-            </a:r>
-            <a:r>
-              <a:rPr lang="en-US" dirty="0"/>
-              <a:t> </a:t>
-            </a:r>
-            <a:r>
-              <a:rPr lang="en-US" dirty="0" err="1"/>
-              <a:t>quản</a:t>
-            </a:r>
-            <a:r>
-              <a:rPr lang="en-US" dirty="0"/>
-              <a:t> </a:t>
-            </a:r>
-            <a:r>
-              <a:rPr lang="en-US" dirty="0" err="1"/>
-              <a:t>lý</a:t>
-            </a:r>
-            <a:r>
-              <a:rPr lang="en-US" dirty="0"/>
-              <a:t> </a:t>
-            </a:r>
-            <a:r>
-              <a:rPr lang="en-US" dirty="0" err="1"/>
-              <a:t>và</a:t>
-            </a:r>
-            <a:r>
-              <a:rPr lang="en-US" dirty="0"/>
-              <a:t> </a:t>
-            </a:r>
-            <a:r>
-              <a:rPr lang="en-US" dirty="0" err="1"/>
-              <a:t>xây</a:t>
-            </a:r>
-            <a:r>
-              <a:rPr lang="en-US" dirty="0"/>
-              <a:t> </a:t>
-            </a:r>
-            <a:r>
-              <a:rPr lang="en-US" dirty="0" err="1"/>
-              <a:t>dựng</a:t>
-            </a:r>
-            <a:r>
-              <a:rPr lang="en-US" dirty="0"/>
-              <a:t> </a:t>
-            </a:r>
-            <a:r>
-              <a:rPr lang="en-US" dirty="0" err="1"/>
-              <a:t>cây</a:t>
-            </a:r>
-            <a:r>
-              <a:rPr lang="en-US" dirty="0"/>
-              <a:t> </a:t>
-            </a:r>
-            <a:r>
-              <a:rPr lang="en-US" dirty="0" err="1"/>
-              <a:t>phả</a:t>
-            </a:r>
-            <a:r>
-              <a:rPr lang="en-US" dirty="0"/>
-              <a:t> </a:t>
-            </a:r>
-            <a:r>
-              <a:rPr lang="en-US" dirty="0" err="1"/>
-              <a:t>hệ</a:t>
-            </a:r>
-            <a:r>
-              <a:rPr lang="en-US" dirty="0"/>
-              <a:t> </a:t>
-            </a:r>
-            <a:r>
-              <a:rPr lang="en-US" dirty="0" err="1"/>
-              <a:t>của</a:t>
-            </a:r>
-            <a:r>
-              <a:rPr lang="en-US" dirty="0"/>
-              <a:t> </a:t>
-            </a:r>
-            <a:r>
-              <a:rPr lang="en-US" dirty="0" err="1"/>
-              <a:t>các</a:t>
-            </a:r>
-            <a:r>
-              <a:rPr lang="en-US" dirty="0"/>
-              <a:t> </a:t>
-            </a:r>
-            <a:r>
-              <a:rPr lang="en-US" dirty="0" err="1"/>
-              <a:t>dòng</a:t>
-            </a:r>
-            <a:r>
-              <a:rPr lang="en-US" dirty="0"/>
-              <a:t> </a:t>
-            </a:r>
-            <a:r>
-              <a:rPr lang="en-US" dirty="0" err="1"/>
-              <a:t>tộc</a:t>
-            </a:r>
-            <a:r>
-              <a:rPr lang="en-US" dirty="0"/>
-              <a:t>.</a:t>
-            </a:r>
-          </a:p>
-          <a:p>
-            <a:pPr lvl="1">
-              <a:buSzPct val="90000"/>
-            </a:pPr>
-            <a:r>
-              <a:rPr lang="en-US" dirty="0" err="1"/>
-              <a:t>Tìm</a:t>
-            </a:r>
-            <a:r>
-              <a:rPr lang="en-US" dirty="0"/>
-              <a:t> </a:t>
-            </a:r>
-            <a:r>
-              <a:rPr lang="en-US" dirty="0" err="1"/>
-              <a:t>kiếm</a:t>
-            </a:r>
-            <a:r>
-              <a:rPr lang="en-US" dirty="0"/>
-              <a:t> </a:t>
-            </a:r>
-            <a:r>
-              <a:rPr lang="en-US" dirty="0" err="1"/>
-              <a:t>và</a:t>
-            </a:r>
-            <a:r>
-              <a:rPr lang="en-US" dirty="0"/>
-              <a:t> </a:t>
-            </a:r>
-            <a:r>
-              <a:rPr lang="en-US" dirty="0" err="1"/>
-              <a:t>tra</a:t>
-            </a:r>
-            <a:r>
-              <a:rPr lang="en-US" dirty="0"/>
-              <a:t> </a:t>
-            </a:r>
-            <a:r>
-              <a:rPr lang="en-US" dirty="0" err="1"/>
-              <a:t>cứu</a:t>
-            </a:r>
-            <a:r>
-              <a:rPr lang="en-US" dirty="0"/>
-              <a:t> </a:t>
-            </a:r>
-            <a:r>
-              <a:rPr lang="en-US" dirty="0" err="1"/>
-              <a:t>dòng</a:t>
-            </a:r>
-            <a:r>
-              <a:rPr lang="en-US" dirty="0"/>
-              <a:t> </a:t>
-            </a:r>
-            <a:r>
-              <a:rPr lang="en-US" dirty="0" err="1"/>
-              <a:t>tộc</a:t>
-            </a:r>
-            <a:r>
-              <a:rPr lang="en-US" dirty="0" smtClean="0"/>
-              <a:t>.</a:t>
-            </a:r>
-          </a:p>
-          <a:p>
-            <a:pPr lvl="1">
-              <a:buSzPct val="90000"/>
-            </a:pPr>
-            <a:r>
-              <a:rPr lang="en-US" dirty="0" err="1"/>
-              <a:t>Cung</a:t>
-            </a:r>
-            <a:r>
-              <a:rPr lang="en-US" dirty="0"/>
-              <a:t> </a:t>
-            </a:r>
-            <a:r>
-              <a:rPr lang="en-US" dirty="0" err="1"/>
-              <a:t>cấp</a:t>
-            </a:r>
-            <a:r>
-              <a:rPr lang="en-US" dirty="0"/>
-              <a:t> </a:t>
-            </a:r>
-            <a:r>
-              <a:rPr lang="en-US" dirty="0" err="1"/>
-              <a:t>thông</a:t>
-            </a:r>
-            <a:r>
-              <a:rPr lang="en-US" dirty="0"/>
-              <a:t> tin </a:t>
-            </a:r>
-            <a:r>
-              <a:rPr lang="en-US" dirty="0" err="1"/>
-              <a:t>tham</a:t>
-            </a:r>
-            <a:r>
-              <a:rPr lang="en-US" dirty="0"/>
-              <a:t> </a:t>
-            </a:r>
-            <a:r>
-              <a:rPr lang="en-US" dirty="0" err="1"/>
-              <a:t>khảo</a:t>
-            </a:r>
-            <a:r>
-              <a:rPr lang="en-US" dirty="0"/>
-              <a:t> </a:t>
-            </a:r>
-            <a:r>
-              <a:rPr lang="en-US" dirty="0" err="1"/>
-              <a:t>về</a:t>
-            </a:r>
-            <a:r>
-              <a:rPr lang="en-US" dirty="0"/>
-              <a:t> </a:t>
-            </a:r>
-            <a:r>
-              <a:rPr lang="en-US" dirty="0" err="1"/>
-              <a:t>các</a:t>
-            </a:r>
-            <a:r>
-              <a:rPr lang="en-US" dirty="0"/>
-              <a:t> </a:t>
-            </a:r>
-            <a:r>
-              <a:rPr lang="en-US" dirty="0" err="1"/>
-              <a:t>dòng</a:t>
-            </a:r>
-            <a:r>
-              <a:rPr lang="en-US" dirty="0"/>
-              <a:t> </a:t>
-            </a:r>
-            <a:r>
-              <a:rPr lang="en-US" dirty="0" err="1"/>
-              <a:t>tộc</a:t>
-            </a:r>
-            <a:r>
-              <a:rPr lang="en-US" dirty="0"/>
-              <a:t> </a:t>
-            </a:r>
-            <a:r>
-              <a:rPr lang="en-US" dirty="0" err="1"/>
-              <a:t>và</a:t>
-            </a:r>
-            <a:r>
-              <a:rPr lang="en-US" dirty="0"/>
-              <a:t> </a:t>
-            </a:r>
-            <a:r>
-              <a:rPr lang="en-US" dirty="0" err="1"/>
-              <a:t>lịch</a:t>
-            </a:r>
-            <a:r>
-              <a:rPr lang="en-US" dirty="0"/>
-              <a:t> </a:t>
-            </a:r>
-            <a:r>
-              <a:rPr lang="en-US" dirty="0" err="1"/>
-              <a:t>sử</a:t>
-            </a:r>
-            <a:r>
-              <a:rPr lang="en-US" dirty="0"/>
-              <a:t> </a:t>
-            </a:r>
-            <a:r>
-              <a:rPr lang="en-US" dirty="0" err="1"/>
-              <a:t>hình</a:t>
-            </a:r>
-            <a:r>
-              <a:rPr lang="en-US" dirty="0"/>
-              <a:t> </a:t>
-            </a:r>
-            <a:r>
-              <a:rPr lang="en-US"/>
-              <a:t>hành</a:t>
-            </a:r>
-            <a:endParaRPr lang="en-US" b="1" dirty="0" smtClean="0"/>
-          </a:p>
-        </p:txBody>
-      </p:sp>
-    </p:spTree>
-    <p:extLst>
-      <p:ext uri="{BB962C8B-B14F-4D97-AF65-F5344CB8AC3E}">
-        <p14:creationId xmlns:p14="http://schemas.microsoft.com/office/powerpoint/2010/main" val="3745935799"/>
-      </p:ext>
-    </p:extLst>
-  </p:cSld>
-  <p:clrMapOvr>
-    <a:masterClrMapping/>
-  </p:clrMapOvr>
-  <p:transition/>
-  <p:timing>
-    <p:tnLst>
-      <p:par>
-        <p:cTn id="1" dur="indefinite" restart="never" nodeType="tmRoot"/>
-      </p:par>
-    </p:tnLst>
-  </p:timing>
-</p:sld>
-</file>
-
-<file path=ppt/slides/slide7.xml><?xml version="1.0" encoding="utf-8"?>
-<p:sld xmlns:a="http://schemas.openxmlformats.org/drawingml/2006/main" xmlns:r="http://schemas.openxmlformats.org/officeDocument/2006/relationships" xmlns:p="http://schemas.openxmlformats.org/presentationml/2006/main" showMasterPhAnim="0">
-  <p:cSld>
-    <p:spTree>
-      <p:nvGrpSpPr>
-        <p:cNvPr id="1" name=""/>
-        <p:cNvGrpSpPr/>
-        <p:nvPr/>
-      </p:nvGrpSpPr>
-      <p:grpSpPr>
-        <a:xfrm>
-          <a:off x="0" y="0"/>
-          <a:ext cx="0" cy="0"/>
-          <a:chOff x="0" y="0"/>
-          <a:chExt cx="0" cy="0"/>
-        </a:xfrm>
-      </p:grpSpPr>
-      <p:sp>
-        <p:nvSpPr>
-          <p:cNvPr id="70660" name="Rectangle 4"/>
-          <p:cNvSpPr>
-            <a:spLocks noGrp="1" noChangeArrowheads="1"/>
-          </p:cNvSpPr>
-          <p:nvPr>
-            <p:ph type="title"/>
-          </p:nvPr>
-        </p:nvSpPr>
-        <p:spPr/>
-        <p:txBody>
-          <a:bodyPr/>
-          <a:lstStyle/>
-          <a:p>
-            <a:r>
-              <a:rPr lang="en-US" dirty="0" smtClean="0"/>
-              <a:t>III. </a:t>
-            </a:r>
-            <a:r>
-              <a:rPr lang="en-US" dirty="0" err="1" smtClean="0"/>
-              <a:t>Phân</a:t>
-            </a:r>
-            <a:r>
-              <a:rPr lang="en-US" dirty="0" smtClean="0"/>
-              <a:t> </a:t>
-            </a:r>
-            <a:r>
-              <a:rPr lang="en-US" dirty="0" err="1" smtClean="0"/>
-              <a:t>tích</a:t>
-            </a:r>
-            <a:r>
-              <a:rPr lang="en-US" dirty="0" smtClean="0"/>
-              <a:t> &amp; </a:t>
-            </a:r>
-            <a:r>
-              <a:rPr lang="en-US" dirty="0" err="1" smtClean="0"/>
-              <a:t>Thiết</a:t>
-            </a:r>
-            <a:r>
-              <a:rPr lang="en-US" dirty="0" smtClean="0"/>
-              <a:t> </a:t>
-            </a:r>
-            <a:r>
-              <a:rPr lang="en-US" dirty="0" err="1" smtClean="0"/>
-              <a:t>kế</a:t>
-            </a:r>
-            <a:endParaRPr lang="en-US" dirty="0"/>
-          </a:p>
-        </p:txBody>
-      </p:sp>
-      <p:sp>
-        <p:nvSpPr>
-          <p:cNvPr id="70658" name="Rectangle 2"/>
-          <p:cNvSpPr>
-            <a:spLocks noGrp="1" noChangeArrowheads="1"/>
-          </p:cNvSpPr>
-          <p:nvPr>
-            <p:ph idx="1"/>
-          </p:nvPr>
-        </p:nvSpPr>
-        <p:spPr bwMode="black">
-          <a:xfrm>
-            <a:off x="620713" y="1676400"/>
-            <a:ext cx="7824787" cy="3346450"/>
-          </a:xfrm>
-          <a:noFill/>
-          <a:ln/>
-        </p:spPr>
-        <p:txBody>
-          <a:bodyPr/>
-          <a:lstStyle/>
-          <a:p>
-            <a:pPr>
-              <a:buSzPct val="90000"/>
-            </a:pPr>
-            <a:r>
-              <a:rPr lang="en-US" b="1" dirty="0" err="1" smtClean="0"/>
               <a:t>Chức</a:t>
             </a:r>
             <a:r>
@@ -12992,7 +11968,7 @@
 </p:sld>
 </file>
 
-<file path=ppt/slides/slide8.xml><?xml version="1.0" encoding="utf-8"?>
+<file path=ppt/slides/slide7.xml><?xml version="1.0" encoding="utf-8"?>
 <p:sld xmlns:a="http://schemas.openxmlformats.org/drawingml/2006/main" xmlns:r="http://schemas.openxmlformats.org/officeDocument/2006/relationships" xmlns:p="http://schemas.openxmlformats.org/presentationml/2006/main">
   <p:cSld>
     <p:spTree>
@@ -13062,7 +12038,7 @@
       </p:sp>
       <p:pic>
         <p:nvPicPr>
-          <p:cNvPr id="4" name="Picture 3"/>
+          <p:cNvPr id="3" name="Picture 2"/>
           <p:cNvPicPr>
             <a:picLocks noChangeAspect="1"/>
           </p:cNvPicPr>
@@ -13082,8 +12058,8 @@
         </p:blipFill>
         <p:spPr>
           <a:xfrm>
-            <a:off x="277564" y="1341438"/>
-            <a:ext cx="8637836" cy="5287962"/>
+            <a:off x="893349" y="983076"/>
+            <a:ext cx="7543800" cy="5851733"/>
           </a:xfrm>
           <a:prstGeom prst="rect">
             <a:avLst/>
@@ -13094,6 +12070,166 @@
     <p:extLst>
       <p:ext uri="{BB962C8B-B14F-4D97-AF65-F5344CB8AC3E}">
         <p14:creationId xmlns:p14="http://schemas.microsoft.com/office/powerpoint/2010/main" val="1735566044"/>
+      </p:ext>
+    </p:extLst>
+  </p:cSld>
+  <p:clrMapOvr>
+    <a:masterClrMapping/>
+  </p:clrMapOvr>
+  <p:transition/>
+  <p:timing>
+    <p:tnLst>
+      <p:par>
+        <p:cTn id="1" dur="indefinite" restart="never" nodeType="tmRoot"/>
+      </p:par>
+    </p:tnLst>
+  </p:timing>
+</p:sld>
+</file>
+
+<file path=ppt/slides/slide8.xml><?xml version="1.0" encoding="utf-8"?>
+<p:sld xmlns:a="http://schemas.openxmlformats.org/drawingml/2006/main" xmlns:r="http://schemas.openxmlformats.org/officeDocument/2006/relationships" xmlns:p="http://schemas.openxmlformats.org/presentationml/2006/main" showMasterPhAnim="0">
+  <p:cSld>
+    <p:spTree>
+      <p:nvGrpSpPr>
+        <p:cNvPr id="1" name=""/>
+        <p:cNvGrpSpPr/>
+        <p:nvPr/>
+      </p:nvGrpSpPr>
+      <p:grpSpPr>
+        <a:xfrm>
+          <a:off x="0" y="0"/>
+          <a:ext cx="0" cy="0"/>
+          <a:chOff x="0" y="0"/>
+          <a:chExt cx="0" cy="0"/>
+        </a:xfrm>
+      </p:grpSpPr>
+      <p:sp>
+        <p:nvSpPr>
+          <p:cNvPr id="70660" name="Rectangle 4"/>
+          <p:cNvSpPr>
+            <a:spLocks noGrp="1" noChangeArrowheads="1"/>
+          </p:cNvSpPr>
+          <p:nvPr>
+            <p:ph type="title"/>
+          </p:nvPr>
+        </p:nvSpPr>
+        <p:spPr/>
+        <p:txBody>
+          <a:bodyPr/>
+          <a:lstStyle/>
+          <a:p>
+            <a:r>
+              <a:rPr lang="en-US" dirty="0" smtClean="0"/>
+              <a:t>III. </a:t>
+            </a:r>
+            <a:r>
+              <a:rPr lang="en-US" dirty="0" err="1" smtClean="0"/>
+              <a:t>Phân</a:t>
+            </a:r>
+            <a:r>
+              <a:rPr lang="en-US" dirty="0" smtClean="0"/>
+              <a:t> </a:t>
+            </a:r>
+            <a:r>
+              <a:rPr lang="en-US" dirty="0" err="1" smtClean="0"/>
+              <a:t>tích</a:t>
+            </a:r>
+            <a:r>
+              <a:rPr lang="en-US" dirty="0" smtClean="0"/>
+              <a:t> &amp; </a:t>
+            </a:r>
+            <a:r>
+              <a:rPr lang="en-US" dirty="0" err="1" smtClean="0"/>
+              <a:t>Thiết</a:t>
+            </a:r>
+            <a:r>
+              <a:rPr lang="en-US" dirty="0" smtClean="0"/>
+              <a:t> </a:t>
+            </a:r>
+            <a:r>
+              <a:rPr lang="en-US" dirty="0" err="1" smtClean="0"/>
+              <a:t>kế</a:t>
+            </a:r>
+            <a:endParaRPr lang="en-US" dirty="0"/>
+          </a:p>
+        </p:txBody>
+      </p:sp>
+      <p:sp>
+        <p:nvSpPr>
+          <p:cNvPr id="70658" name="Rectangle 2"/>
+          <p:cNvSpPr>
+            <a:spLocks noGrp="1" noChangeArrowheads="1"/>
+          </p:cNvSpPr>
+          <p:nvPr>
+            <p:ph idx="1"/>
+          </p:nvPr>
+        </p:nvSpPr>
+        <p:spPr bwMode="black">
+          <a:xfrm>
+            <a:off x="620713" y="1676400"/>
+            <a:ext cx="7824787" cy="3346450"/>
+          </a:xfrm>
+          <a:noFill/>
+          <a:ln/>
+        </p:spPr>
+        <p:txBody>
+          <a:bodyPr/>
+          <a:lstStyle/>
+          <a:p>
+            <a:pPr>
+              <a:buSzPct val="90000"/>
+            </a:pPr>
+            <a:r>
+              <a:rPr lang="en-US" b="1" dirty="0" err="1" smtClean="0"/>
+              <a:t>Chức</a:t>
+            </a:r>
+            <a:r>
+              <a:rPr lang="en-US" b="1" dirty="0" smtClean="0"/>
+              <a:t> </a:t>
+            </a:r>
+            <a:r>
+              <a:rPr lang="en-US" b="1" dirty="0" err="1" smtClean="0"/>
+              <a:t>năng</a:t>
+            </a:r>
+            <a:endParaRPr lang="en-US" b="1" dirty="0" smtClean="0"/>
+          </a:p>
+        </p:txBody>
+      </p:sp>
+      <p:pic>
+        <p:nvPicPr>
+          <p:cNvPr id="2" name="Picture 1"/>
+          <p:cNvPicPr>
+            <a:picLocks noChangeAspect="1"/>
+          </p:cNvPicPr>
+          <p:nvPr/>
+        </p:nvPicPr>
+        <p:blipFill>
+          <a:blip r:embed="rId3">
+            <a:extLst>
+              <a:ext uri="{28A0092B-C50C-407E-A947-70E740481C1C}">
+                <a14:useLocalDpi xmlns:a14="http://schemas.microsoft.com/office/drawing/2010/main" val="0"/>
+              </a:ext>
+            </a:extLst>
+          </a:blip>
+          <a:stretch>
+            <a:fillRect/>
+          </a:stretch>
+        </p:blipFill>
+        <p:spPr>
+          <a:xfrm>
+            <a:off x="1752600" y="2895600"/>
+            <a:ext cx="5874182" cy="1924050"/>
+          </a:xfrm>
+          <a:prstGeom prst="rect">
+            <a:avLst/>
+          </a:prstGeom>
+        </p:spPr>
+      </p:pic>
+    </p:spTree>
+    <p:extLst>
+      <p:ext uri="{BB962C8B-B14F-4D97-AF65-F5344CB8AC3E}">
+        <p14:creationId xmlns:p14="http://schemas.microsoft.com/office/powerpoint/2010/main" val="1710312770"/>
       </p:ext>
     </p:extLst>
   </p:cSld>
@@ -13130,57 +12266,6 @@
       </p:grpSpPr>
       <p:sp>
         <p:nvSpPr>
-          <p:cNvPr id="70660" name="Rectangle 4"/>
-          <p:cNvSpPr>
-            <a:spLocks noGrp="1" noChangeArrowheads="1"/>
-          </p:cNvSpPr>
-          <p:nvPr>
-            <p:ph type="title"/>
-          </p:nvPr>
-        </p:nvSpPr>
-        <p:spPr/>
-        <p:txBody>
-          <a:bodyPr/>
-          <a:lstStyle/>
-          <a:p>
-            <a:r>
-              <a:rPr lang="en-US" dirty="0" smtClean="0"/>
-              <a:t>III. </a:t>
-            </a:r>
-            <a:r>
-              <a:rPr lang="en-US" dirty="0" err="1" smtClean="0"/>
-              <a:t>Phân</a:t>
-            </a:r>
-            <a:r>
-              <a:rPr lang="en-US" dirty="0" smtClean="0"/>
-              <a:t> </a:t>
-            </a:r>
-            <a:r>
-              <a:rPr lang="en-US" dirty="0" err="1" smtClean="0"/>
-              <a:t>tích</a:t>
-            </a:r>
-            <a:r>
-              <a:rPr lang="en-US" dirty="0" smtClean="0"/>
-              <a:t> &amp; </a:t>
-            </a:r>
-            <a:r>
-              <a:rPr lang="en-US" dirty="0" err="1" smtClean="0"/>
-              <a:t>Thiết</a:t>
-            </a:r>
-            <a:r>
-              <a:rPr lang="en-US" dirty="0" smtClean="0"/>
-              <a:t> </a:t>
-            </a:r>
-            <a:r>
-              <a:rPr lang="en-US" dirty="0" err="1" smtClean="0"/>
-              <a:t>kế</a:t>
-            </a:r>
-            <a:endParaRPr lang="en-US" dirty="0"/>
-          </a:p>
-        </p:txBody>
-      </p:sp>
-      <p:sp>
-        <p:nvSpPr>
           <p:cNvPr id="70658" name="Rectangle 2"/>
           <p:cNvSpPr>
             <a:spLocks noGrp="1" noChangeArrowheads="1"/>
@@ -13205,27 +12290,106 @@
               <a:buSzPct val="90000"/>
             </a:pPr>
             <a:r>
-              <a:rPr lang="en-US" b="1" dirty="0" err="1" smtClean="0"/>
-              <a:t>Chức</a:t>
-            </a:r>
-            <a:r>
-              <a:rPr lang="en-US" b="1" dirty="0" smtClean="0"/>
-              <a:t> </a:t>
-            </a:r>
-            <a:r>
-              <a:rPr lang="en-US" b="1" dirty="0" err="1" smtClean="0"/>
-              <a:t>năng</a:t>
-            </a:r>
-            <a:endParaRPr lang="en-US" b="1" dirty="0" smtClean="0"/>
+              <a:rPr lang="en-US" sz="3000" b="1" dirty="0" err="1" smtClean="0"/>
+              <a:t>Sơ</a:t>
+            </a:r>
+            <a:r>
+              <a:rPr lang="en-US" sz="3000" b="1" dirty="0" smtClean="0"/>
+              <a:t> </a:t>
+            </a:r>
+            <a:r>
+              <a:rPr lang="en-US" sz="3000" b="1" dirty="0" err="1" smtClean="0"/>
+              <a:t>đồ</a:t>
+            </a:r>
+            <a:r>
+              <a:rPr lang="en-US" sz="3000" b="1" dirty="0" smtClean="0"/>
+              <a:t> </a:t>
+            </a:r>
+          </a:p>
+          <a:p>
+            <a:pPr marL="0" indent="0">
+              <a:buSzPct val="90000"/>
+              <a:buNone/>
+            </a:pPr>
+            <a:r>
+              <a:rPr lang="en-US" sz="3000" b="1" dirty="0" err="1" smtClean="0"/>
+              <a:t>luồng</a:t>
+            </a:r>
+            <a:r>
+              <a:rPr lang="en-US" sz="3000" b="1" dirty="0" smtClean="0"/>
+              <a:t> </a:t>
+            </a:r>
+            <a:r>
+              <a:rPr lang="en-US" sz="3000" b="1" dirty="0" err="1" smtClean="0"/>
+              <a:t>hệ</a:t>
+            </a:r>
+            <a:r>
+              <a:rPr lang="en-US" sz="3000" b="1" dirty="0" smtClean="0"/>
+              <a:t> </a:t>
+            </a:r>
+            <a:r>
+              <a:rPr lang="en-US" sz="3000" b="1" dirty="0" err="1" smtClean="0"/>
+              <a:t>thống</a:t>
+            </a:r>
+            <a:endParaRPr lang="en-US" sz="3000" b="1" dirty="0" smtClean="0"/>
+          </a:p>
+        </p:txBody>
+      </p:sp>
+      <p:sp>
+        <p:nvSpPr>
+          <p:cNvPr id="70660" name="Rectangle 4"/>
+          <p:cNvSpPr>
+            <a:spLocks noGrp="1" noChangeArrowheads="1"/>
+          </p:cNvSpPr>
+          <p:nvPr>
+            <p:ph type="title"/>
+          </p:nvPr>
+        </p:nvSpPr>
+        <p:spPr/>
+        <p:txBody>
+          <a:bodyPr/>
+          <a:lstStyle/>
+          <a:p>
+            <a:r>
+              <a:rPr lang="en-US" dirty="0" smtClean="0"/>
+              <a:t>III. </a:t>
+            </a:r>
+            <a:r>
+              <a:rPr lang="en-US" dirty="0" err="1" smtClean="0"/>
+              <a:t>Phân</a:t>
+            </a:r>
+            <a:r>
+              <a:rPr lang="en-US" dirty="0" smtClean="0"/>
+              <a:t> </a:t>
+            </a:r>
+            <a:r>
+              <a:rPr lang="en-US" dirty="0" err="1" smtClean="0"/>
+              <a:t>tích</a:t>
+            </a:r>
+            <a:r>
+              <a:rPr lang="en-US" dirty="0" smtClean="0"/>
+              <a:t> &amp; </a:t>
+            </a:r>
+            <a:r>
+              <a:rPr lang="en-US" dirty="0" err="1" smtClean="0"/>
+              <a:t>Thiết</a:t>
+            </a:r>
+            <a:r>
+              <a:rPr lang="en-US" dirty="0" smtClean="0"/>
+              <a:t> </a:t>
+            </a:r>
+            <a:r>
+              <a:rPr lang="en-US" dirty="0" err="1" smtClean="0"/>
+              <a:t>kế</a:t>
+            </a:r>
+            <a:endParaRPr lang="en-US" dirty="0"/>
           </a:p>
         </p:txBody>
       </p:sp>
       <p:pic>
         <p:nvPicPr>
-          <p:cNvPr id="2" name="Picture 1"/>
-          <p:cNvPicPr>
-            <a:picLocks noChangeAspect="1"/>
-          </p:cNvPicPr>
+          <p:cNvPr id="5" name="Picture 4" descr="C:\Users\Administrator\Downloads\Usecase (6) (2) (3).png"/>
+          <p:cNvPicPr/>
           <p:nvPr/>
         </p:nvPicPr>
         <p:blipFill>
@@ -13236,24 +12400,29 @@
               </a:ext>
             </a:extLst>
           </a:blip>
+          <a:srcRect/>
           <a:stretch>
             <a:fillRect/>
           </a:stretch>
         </p:blipFill>
-        <p:spPr>
+        <p:spPr bwMode="auto">
           <a:xfrm>
-            <a:off x="1752600" y="2895600"/>
-            <a:ext cx="5874182" cy="1924050"/>
+            <a:off x="3581400" y="1143000"/>
+            <a:ext cx="4864100" cy="5474162"/>
           </a:xfrm>
           <a:prstGeom prst="rect">
             <a:avLst/>
           </a:prstGeom>
+          <a:noFill/>
+          <a:ln>
+            <a:noFill/>
+          </a:ln>
         </p:spPr>
       </p:pic>
     </p:spTree>
     <p:extLst>
       <p:ext uri="{BB962C8B-B14F-4D97-AF65-F5344CB8AC3E}">
-        <p14:creationId xmlns:p14="http://schemas.microsoft.com/office/powerpoint/2010/main" val="1710312770"/>
+        <p14:creationId xmlns:p14="http://schemas.microsoft.com/office/powerpoint/2010/main" val="4193738359"/>
       </p:ext>
     </p:extLst>
   </p:cSld>
